--- a/figure/source localization.pptx
+++ b/figure/source localization.pptx
@@ -5948,41 +5948,6 @@
           </a:fontRef>
         </p:style>
       </p:cxnSp>
-      <p:sp>
-        <p:nvSpPr>
-          <p:cNvPr id="160" name="TextBox 159">
-            <a:extLst>
-              <a:ext uri="{FF2B5EF4-FFF2-40B4-BE49-F238E27FC236}">
-                <a16:creationId xmlns:a16="http://schemas.microsoft.com/office/drawing/2014/main" id="{C528C25B-B188-486F-A768-AD74AC9B6784}"/>
-              </a:ext>
-            </a:extLst>
-          </p:cNvPr>
-          <p:cNvSpPr txBox="1"/>
-          <p:nvPr/>
-        </p:nvSpPr>
-        <p:spPr>
-          <a:xfrm>
-            <a:off x="387724" y="309332"/>
-            <a:ext cx="2042675" cy="738664"/>
-          </a:xfrm>
-          <a:prstGeom prst="rect">
-            <a:avLst/>
-          </a:prstGeom>
-          <a:noFill/>
-        </p:spPr>
-        <p:txBody>
-          <a:bodyPr wrap="none" rtlCol="0">
-            <a:spAutoFit/>
-          </a:bodyPr>
-          <a:lstStyle/>
-          <a:p>
-            <a:r>
-              <a:rPr lang="en-US" sz="4200" dirty="0"/>
-              <a:t>source b</a:t>
-            </a:r>
-          </a:p>
-        </p:txBody>
-      </p:sp>
       <p:sp>
         <p:nvSpPr>
           <p:cNvPr id="6" name="Arrow: Right 5">
